--- a/docs/1091_datascience_FP_group4.pptx
+++ b/docs/1091_datascience_FP_group4.pptx
@@ -8604,8 +8604,8 @@
         </p:blipFill>
         <p:spPr>
           <a:xfrm>
-            <a:off x="1782600" y="1854950"/>
-            <a:ext cx="5600700" cy="2838450"/>
+            <a:off x="2404170" y="1919075"/>
+            <a:ext cx="5172605" cy="2710200"/>
           </a:xfrm>
           <a:prstGeom prst="rect">
             <a:avLst/>
@@ -8736,8 +8736,8 @@
         </p:blipFill>
         <p:spPr>
           <a:xfrm>
-            <a:off x="1776400" y="1781288"/>
-            <a:ext cx="5591175" cy="2847975"/>
+            <a:off x="1482800" y="1963825"/>
+            <a:ext cx="5448776" cy="2756525"/>
           </a:xfrm>
           <a:prstGeom prst="rect">
             <a:avLst/>
@@ -8836,6 +8836,123 @@
           </a:bodyPr>
           <a:lstStyle/>
           <a:p>
+            <a:pPr indent="-304800" lvl="0" marL="457200" rtl="0" algn="l">
+              <a:spcBef>
+                <a:spcPts val="0"/>
+              </a:spcBef>
+              <a:spcAft>
+                <a:spcPts val="0"/>
+              </a:spcAft>
+              <a:buClr>
+                <a:srgbClr val="24292E"/>
+              </a:buClr>
+              <a:buSzPts val="1200"/>
+              <a:buFont typeface="Arial"/>
+              <a:buChar char="❖"/>
+            </a:pPr>
+            <a:r>
+              <a:rPr lang="zh-TW" sz="1200">
+                <a:solidFill>
+                  <a:srgbClr val="24292E"/>
+                </a:solidFill>
+                <a:highlight>
+                  <a:srgbClr val="FFFFFF"/>
+                </a:highlight>
+                <a:latin typeface="Arial"/>
+                <a:ea typeface="Arial"/>
+                <a:cs typeface="Arial"/>
+                <a:sym typeface="Arial"/>
+              </a:rPr>
+              <a:t>XGBOOST performance is both better than null model</a:t>
+            </a:r>
+            <a:endParaRPr sz="1200">
+              <a:solidFill>
+                <a:srgbClr val="24292E"/>
+              </a:solidFill>
+              <a:highlight>
+                <a:srgbClr val="FFFFFF"/>
+              </a:highlight>
+              <a:latin typeface="Arial"/>
+              <a:ea typeface="Arial"/>
+              <a:cs typeface="Arial"/>
+              <a:sym typeface="Arial"/>
+            </a:endParaRPr>
+          </a:p>
+          <a:p>
+            <a:pPr indent="-304800" lvl="0" marL="457200" rtl="0" algn="l">
+              <a:spcBef>
+                <a:spcPts val="0"/>
+              </a:spcBef>
+              <a:spcAft>
+                <a:spcPts val="0"/>
+              </a:spcAft>
+              <a:buClr>
+                <a:srgbClr val="24292E"/>
+              </a:buClr>
+              <a:buSzPts val="1200"/>
+              <a:buFont typeface="Arial"/>
+              <a:buChar char="❖"/>
+            </a:pPr>
+            <a:r>
+              <a:rPr lang="zh-TW" sz="1200">
+                <a:solidFill>
+                  <a:srgbClr val="24292E"/>
+                </a:solidFill>
+                <a:highlight>
+                  <a:srgbClr val="FFFFFF"/>
+                </a:highlight>
+                <a:latin typeface="Arial"/>
+                <a:ea typeface="Arial"/>
+                <a:cs typeface="Arial"/>
+                <a:sym typeface="Arial"/>
+              </a:rPr>
+              <a:t>Random forest and CART only better at accuracy</a:t>
+            </a:r>
+            <a:endParaRPr sz="1200">
+              <a:solidFill>
+                <a:srgbClr val="24292E"/>
+              </a:solidFill>
+              <a:highlight>
+                <a:srgbClr val="FFFFFF"/>
+              </a:highlight>
+              <a:latin typeface="Arial"/>
+              <a:ea typeface="Arial"/>
+              <a:cs typeface="Arial"/>
+              <a:sym typeface="Arial"/>
+            </a:endParaRPr>
+          </a:p>
+          <a:p>
+            <a:pPr indent="-304800" lvl="0" marL="457200" rtl="0" algn="l">
+              <a:spcBef>
+                <a:spcPts val="0"/>
+              </a:spcBef>
+              <a:spcAft>
+                <a:spcPts val="0"/>
+              </a:spcAft>
+              <a:buClr>
+                <a:srgbClr val="24292E"/>
+              </a:buClr>
+              <a:buSzPts val="1200"/>
+              <a:buFont typeface="Arial"/>
+              <a:buChar char="❖"/>
+            </a:pPr>
+            <a:r>
+              <a:t/>
+            </a:r>
+            <a:endParaRPr sz="1200">
+              <a:solidFill>
+                <a:srgbClr val="24292E"/>
+              </a:solidFill>
+              <a:highlight>
+                <a:srgbClr val="FFFFFF"/>
+              </a:highlight>
+              <a:latin typeface="Arial"/>
+              <a:ea typeface="Arial"/>
+              <a:cs typeface="Arial"/>
+              <a:sym typeface="Arial"/>
+            </a:endParaRPr>
+          </a:p>
+          <a:p>
             <a:pPr indent="0" lvl="0" marL="0" rtl="0" algn="l">
               <a:spcBef>
                 <a:spcPts val="0"/>
@@ -8868,8 +8985,8 @@
         </p:blipFill>
         <p:spPr>
           <a:xfrm>
-            <a:off x="1733550" y="1845425"/>
-            <a:ext cx="5676900" cy="2857500"/>
+            <a:off x="2559275" y="2519775"/>
+            <a:ext cx="5016274" cy="2486700"/>
           </a:xfrm>
           <a:prstGeom prst="rect">
             <a:avLst/>
@@ -9263,18 +9380,51 @@
           </a:bodyPr>
           <a:lstStyle/>
           <a:p>
+            <a:pPr indent="-342900" lvl="0" marL="457200" rtl="0" algn="l">
+              <a:spcBef>
+                <a:spcPts val="0"/>
+              </a:spcBef>
+              <a:spcAft>
+                <a:spcPts val="0"/>
+              </a:spcAft>
+              <a:buSzPts val="1800"/>
+              <a:buChar char="●"/>
+            </a:pPr>
+            <a:r>
+              <a:rPr lang="zh-TW"/>
+              <a:t>紅酒的品質指標一直都是由評酒師依照味道，氣味，酒精濃度等人類主觀五感作為品質依據。</a:t>
+            </a:r>
+            <a:endParaRPr/>
+          </a:p>
+          <a:p>
+            <a:pPr indent="-342900" lvl="0" marL="457200" rtl="0" algn="l">
+              <a:spcBef>
+                <a:spcPts val="0"/>
+              </a:spcBef>
+              <a:spcAft>
+                <a:spcPts val="0"/>
+              </a:spcAft>
+              <a:buSzPts val="1800"/>
+              <a:buChar char="●"/>
+            </a:pPr>
+            <a:r>
+              <a:rPr lang="zh-TW"/>
+              <a:t>本次我們希望透過不同以往的品質指標依據，透過化學因子檢測的數值透過上課所學的數據分析手法，預測紅酒品質。</a:t>
+            </a:r>
+            <a:endParaRPr/>
+          </a:p>
+          <a:p>
             <a:pPr indent="0" lvl="0" marL="0" rtl="0" algn="l">
               <a:spcBef>
-                <a:spcPts val="0"/>
-              </a:spcBef>
-              <a:spcAft>
                 <a:spcPts val="1600"/>
-              </a:spcAft>
-              <a:buNone/>
-            </a:pPr>
-            <a:r>
-              <a:rPr lang="zh-TW"/>
-              <a:t>Create a model to predict the quality of red wine</a:t>
+              </a:spcBef>
+              <a:spcAft>
+                <a:spcPts val="1600"/>
+              </a:spcAft>
+              <a:buNone/>
+            </a:pPr>
+            <a:r>
+              <a:t/>
             </a:r>
             <a:endParaRPr/>
           </a:p>
@@ -9600,7 +9750,7 @@
         </p:blipFill>
         <p:spPr>
           <a:xfrm>
-            <a:off x="1552450" y="1760725"/>
+            <a:off x="1552463" y="1723925"/>
             <a:ext cx="6039076" cy="3382774"/>
           </a:xfrm>
           <a:prstGeom prst="rect">
@@ -9715,9 +9865,13 @@
             </a:pPr>
             <a:r>
               <a:rPr lang="zh-TW"/>
-              <a:t>fixed acidity--固定酸度</a:t>
-            </a:r>
-            <a:endParaRPr sz="1200">
+              <a:t>fixed acidity--</a:t>
+            </a:r>
+            <a:r>
+              <a:rPr lang="zh-TW" sz="1200"/>
+              <a:t>固定酸度</a:t>
+            </a:r>
+            <a:endParaRPr sz="600">
               <a:solidFill>
                 <a:srgbClr val="333333"/>
               </a:solidFill>
@@ -10730,15 +10884,26 @@
               <a:buChar char="❖"/>
             </a:pPr>
             <a:r>
-              <a:rPr lang="zh-TW">
+              <a:rPr lang="zh-TW" sz="1600">
                 <a:solidFill>
                   <a:srgbClr val="333333"/>
                 </a:solidFill>
                 <a:highlight>
-                  <a:srgbClr val="FFFFFF"/>
+                  <a:schemeClr val="lt1"/>
                 </a:highlight>
               </a:rPr>
-              <a:t>quality--</a:t>
+              <a:t>quality</a:t>
+            </a:r>
+            <a:r>
+              <a:rPr lang="zh-TW" sz="1200">
+                <a:solidFill>
+                  <a:srgbClr val="333333"/>
+                </a:solidFill>
+                <a:highlight>
+                  <a:schemeClr val="lt1"/>
+                </a:highlight>
+              </a:rPr>
+              <a:t>--</a:t>
             </a:r>
             <a:r>
               <a:rPr lang="zh-TW" sz="1200">
@@ -10880,17 +11045,294 @@
           </a:bodyPr>
           <a:lstStyle/>
           <a:p>
+            <a:pPr indent="-342900" lvl="0" marL="457200" rtl="0" algn="l">
+              <a:spcBef>
+                <a:spcPts val="0"/>
+              </a:spcBef>
+              <a:spcAft>
+                <a:spcPts val="0"/>
+              </a:spcAft>
+              <a:buSzPts val="1800"/>
+              <a:buAutoNum type="arabicPeriod"/>
+            </a:pPr>
+            <a:r>
+              <a:rPr lang="zh-TW"/>
+              <a:t>高度正相關:</a:t>
+            </a:r>
+            <a:endParaRPr/>
+          </a:p>
+          <a:p>
+            <a:pPr indent="-317500" lvl="1" marL="914400" rtl="0" algn="l">
+              <a:spcBef>
+                <a:spcPts val="0"/>
+              </a:spcBef>
+              <a:spcAft>
+                <a:spcPts val="0"/>
+              </a:spcAft>
+              <a:buSzPts val="1400"/>
+              <a:buAutoNum type="arabicPeriod"/>
+            </a:pPr>
+            <a:r>
+              <a:rPr lang="zh-TW" sz="1200">
+                <a:solidFill>
+                  <a:srgbClr val="333333"/>
+                </a:solidFill>
+                <a:highlight>
+                  <a:schemeClr val="lt1"/>
+                </a:highlight>
+              </a:rPr>
+              <a:t>總二氧化硫</a:t>
+            </a:r>
+            <a:r>
+              <a:rPr lang="zh-TW"/>
+              <a:t> --&gt; </a:t>
+            </a:r>
+            <a:r>
+              <a:rPr lang="zh-TW" sz="1200">
+                <a:solidFill>
+                  <a:srgbClr val="333333"/>
+                </a:solidFill>
+                <a:highlight>
+                  <a:schemeClr val="lt1"/>
+                </a:highlight>
+              </a:rPr>
+              <a:t>游離二氧化硫</a:t>
+            </a:r>
+            <a:r>
+              <a:rPr lang="zh-TW"/>
+              <a:t>; </a:t>
+            </a:r>
+            <a:endParaRPr/>
+          </a:p>
+          <a:p>
+            <a:pPr indent="-317500" lvl="1" marL="914400" rtl="0" algn="l">
+              <a:spcBef>
+                <a:spcPts val="0"/>
+              </a:spcBef>
+              <a:spcAft>
+                <a:spcPts val="0"/>
+              </a:spcAft>
+              <a:buSzPts val="1400"/>
+              <a:buAutoNum type="arabicPeriod"/>
+            </a:pPr>
+            <a:r>
+              <a:rPr lang="zh-TW" sz="1200"/>
+              <a:t>固定酸度</a:t>
+            </a:r>
+            <a:r>
+              <a:rPr lang="zh-TW"/>
+              <a:t> --&gt;</a:t>
+            </a:r>
+            <a:r>
+              <a:rPr lang="zh-TW" sz="1200">
+                <a:solidFill>
+                  <a:srgbClr val="333333"/>
+                </a:solidFill>
+                <a:highlight>
+                  <a:schemeClr val="lt1"/>
+                </a:highlight>
+              </a:rPr>
+              <a:t>密度</a:t>
+            </a:r>
+            <a:r>
+              <a:rPr lang="zh-TW"/>
+              <a:t> &amp; </a:t>
+            </a:r>
+            <a:r>
+              <a:rPr lang="zh-TW" sz="1200">
+                <a:solidFill>
+                  <a:srgbClr val="333333"/>
+                </a:solidFill>
+                <a:highlight>
+                  <a:schemeClr val="lt1"/>
+                </a:highlight>
+              </a:rPr>
+              <a:t>檸檬酸</a:t>
+            </a:r>
+            <a:r>
+              <a:rPr lang="zh-TW"/>
+              <a:t>;</a:t>
+            </a:r>
+            <a:endParaRPr/>
+          </a:p>
+          <a:p>
+            <a:pPr indent="-342900" lvl="0" marL="457200" rtl="0" algn="l">
+              <a:spcBef>
+                <a:spcPts val="0"/>
+              </a:spcBef>
+              <a:spcAft>
+                <a:spcPts val="0"/>
+              </a:spcAft>
+              <a:buSzPts val="1800"/>
+              <a:buAutoNum type="arabicPeriod"/>
+            </a:pPr>
+            <a:r>
+              <a:rPr lang="zh-TW"/>
+              <a:t>正相關:</a:t>
+            </a:r>
+            <a:endParaRPr/>
+          </a:p>
+          <a:p>
+            <a:pPr indent="-317500" lvl="1" marL="914400" rtl="0" algn="l">
+              <a:lnSpc>
+                <a:spcPct val="100000"/>
+              </a:lnSpc>
+              <a:spcBef>
+                <a:spcPts val="0"/>
+              </a:spcBef>
+              <a:spcAft>
+                <a:spcPts val="0"/>
+              </a:spcAft>
+              <a:buSzPts val="1400"/>
+              <a:buAutoNum type="arabicPeriod"/>
+            </a:pPr>
+            <a:r>
+              <a:rPr lang="zh-TW" sz="1200">
+                <a:solidFill>
+                  <a:srgbClr val="333333"/>
+                </a:solidFill>
+                <a:highlight>
+                  <a:schemeClr val="lt1"/>
+                </a:highlight>
+              </a:rPr>
+              <a:t>酒精--&gt;品質</a:t>
+            </a:r>
+            <a:endParaRPr/>
+          </a:p>
+          <a:p>
+            <a:pPr indent="-342900" lvl="0" marL="457200" rtl="0" algn="l">
+              <a:spcBef>
+                <a:spcPts val="0"/>
+              </a:spcBef>
+              <a:spcAft>
+                <a:spcPts val="0"/>
+              </a:spcAft>
+              <a:buSzPts val="1800"/>
+              <a:buAutoNum type="arabicPeriod"/>
+            </a:pPr>
+            <a:r>
+              <a:rPr lang="zh-TW"/>
+              <a:t>高度負相關:</a:t>
+            </a:r>
+            <a:endParaRPr/>
+          </a:p>
+          <a:p>
+            <a:pPr indent="-342900" lvl="1" marL="914400" rtl="0" algn="l">
+              <a:lnSpc>
+                <a:spcPct val="100000"/>
+              </a:lnSpc>
+              <a:spcBef>
+                <a:spcPts val="0"/>
+              </a:spcBef>
+              <a:spcAft>
+                <a:spcPts val="0"/>
+              </a:spcAft>
+              <a:buSzPts val="1800"/>
+              <a:buAutoNum type="arabicPeriod"/>
+            </a:pPr>
+            <a:r>
+              <a:rPr lang="zh-TW" sz="1200"/>
+              <a:t>固定酸度--&gt;PH值</a:t>
+            </a:r>
+            <a:endParaRPr/>
+          </a:p>
+          <a:p>
+            <a:pPr indent="-342900" lvl="0" marL="457200" rtl="0" algn="l">
+              <a:spcBef>
+                <a:spcPts val="0"/>
+              </a:spcBef>
+              <a:spcAft>
+                <a:spcPts val="0"/>
+              </a:spcAft>
+              <a:buSzPts val="1800"/>
+              <a:buAutoNum type="arabicPeriod"/>
+            </a:pPr>
+            <a:r>
+              <a:rPr lang="zh-TW"/>
+              <a:t>負相關:</a:t>
+            </a:r>
+            <a:endParaRPr/>
+          </a:p>
+          <a:p>
+            <a:pPr indent="-317500" lvl="1" marL="914400" rtl="0" algn="l">
+              <a:lnSpc>
+                <a:spcPct val="100000"/>
+              </a:lnSpc>
+              <a:spcBef>
+                <a:spcPts val="0"/>
+              </a:spcBef>
+              <a:spcAft>
+                <a:spcPts val="0"/>
+              </a:spcAft>
+              <a:buSzPts val="1400"/>
+              <a:buAutoNum type="arabicPeriod"/>
+            </a:pPr>
+            <a:r>
+              <a:rPr lang="zh-TW" sz="1200">
+                <a:solidFill>
+                  <a:srgbClr val="333333"/>
+                </a:solidFill>
+                <a:highlight>
+                  <a:schemeClr val="lt1"/>
+                </a:highlight>
+              </a:rPr>
+              <a:t>檸檬酸</a:t>
+            </a:r>
+            <a:r>
+              <a:rPr lang="zh-TW" sz="1200"/>
+              <a:t>--&gt;</a:t>
+            </a:r>
+            <a:r>
+              <a:rPr lang="zh-TW" sz="1200">
+                <a:solidFill>
+                  <a:srgbClr val="333333"/>
+                </a:solidFill>
+                <a:highlight>
+                  <a:schemeClr val="lt1"/>
+                </a:highlight>
+              </a:rPr>
+              <a:t>揮發性酸度 &amp;  PH值</a:t>
+            </a:r>
+            <a:endParaRPr/>
+          </a:p>
+          <a:p>
             <a:pPr indent="0" lvl="0" marL="0" rtl="0" algn="l">
-              <a:spcBef>
-                <a:spcPts val="0"/>
-              </a:spcBef>
-              <a:spcAft>
+              <a:lnSpc>
+                <a:spcPct val="100000"/>
+              </a:lnSpc>
+              <a:spcBef>
                 <a:spcPts val="1600"/>
+              </a:spcBef>
+              <a:spcAft>
+                <a:spcPts val="0"/>
               </a:spcAft>
               <a:buNone/>
             </a:pPr>
             <a:r>
               <a:t/>
+            </a:r>
+            <a:endParaRPr sz="1200">
+              <a:solidFill>
+                <a:srgbClr val="333333"/>
+              </a:solidFill>
+              <a:highlight>
+                <a:schemeClr val="lt1"/>
+              </a:highlight>
+            </a:endParaRPr>
+          </a:p>
+          <a:p>
+            <a:pPr indent="0" lvl="0" marL="0" rtl="0" algn="l">
+              <a:spcBef>
+                <a:spcPts val="1600"/>
+              </a:spcBef>
+              <a:spcAft>
+                <a:spcPts val="1600"/>
+              </a:spcAft>
+              <a:buNone/>
+            </a:pPr>
+            <a:r>
+              <a:rPr lang="zh-TW"/>
+              <a:t>	</a:t>
             </a:r>
             <a:endParaRPr/>
           </a:p>
@@ -10912,7 +11354,7 @@
         </p:blipFill>
         <p:spPr>
           <a:xfrm>
-            <a:off x="3035624" y="1687290"/>
+            <a:off x="5176974" y="1687290"/>
             <a:ext cx="3870624" cy="3456211"/>
           </a:xfrm>
           <a:prstGeom prst="rect">
@@ -11093,6 +11535,285 @@
 </file>
 
 <file path=ppt/theme/theme1.xml><?xml version="1.0" encoding="utf-8"?>
+<a:theme xmlns:a="http://schemas.openxmlformats.org/drawingml/2006/main" xmlns:r="http://schemas.openxmlformats.org/officeDocument/2006/relationships" name="Material">
+  <a:themeElements>
+    <a:clrScheme name="Material">
+      <a:dk1>
+        <a:srgbClr val="4285F4"/>
+      </a:dk1>
+      <a:lt1>
+        <a:srgbClr val="FFFFFF"/>
+      </a:lt1>
+      <a:dk2>
+        <a:srgbClr val="424242"/>
+      </a:dk2>
+      <a:lt2>
+        <a:srgbClr val="737373"/>
+      </a:lt2>
+      <a:accent1>
+        <a:srgbClr val="0277BD"/>
+      </a:accent1>
+      <a:accent2>
+        <a:srgbClr val="0F9D58"/>
+      </a:accent2>
+      <a:accent3>
+        <a:srgbClr val="DB4437"/>
+      </a:accent3>
+      <a:accent4>
+        <a:srgbClr val="FAFAFA"/>
+      </a:accent4>
+      <a:accent5>
+        <a:srgbClr val="4FC3F7"/>
+      </a:accent5>
+      <a:accent6>
+        <a:srgbClr val="F4B400"/>
+      </a:accent6>
+      <a:hlink>
+        <a:srgbClr val="4FC3F7"/>
+      </a:hlink>
+      <a:folHlink>
+        <a:srgbClr val="4FC3F7"/>
+      </a:folHlink>
+    </a:clrScheme>
+    <a:fontScheme name="Office">
+      <a:majorFont>
+        <a:latin typeface="Arial"/>
+        <a:ea typeface=""/>
+        <a:cs typeface=""/>
+        <a:font script="Jpan" typeface="ＭＳ Ｐゴシック"/>
+        <a:font script="Hang" typeface="맑은 고딕"/>
+        <a:font script="Hans" typeface="宋体"/>
+        <a:font script="Hant" typeface="新細明體"/>
+        <a:font script="Arab" typeface="Times New Roman"/>
+        <a:font script="Hebr" typeface="Times New Roman"/>
+        <a:font script="Thai" typeface="Angsana New"/>
+        <a:font script="Ethi" typeface="Nyala"/>
+        <a:font script="Beng" typeface="Vrinda"/>
+        <a:font script="Gujr" typeface="Shruti"/>
+        <a:font script="Khmr" typeface="MoolBoran"/>
+        <a:font script="Knda" typeface="Tunga"/>
+        <a:font script="Guru" typeface="Raavi"/>
+        <a:font script="Cans" typeface="Euphemia"/>
+        <a:font script="Cher" typeface="Plantagenet Cherokee"/>
+        <a:font script="Yiii" typeface="Microsoft Yi Baiti"/>
+        <a:font script="Tibt" typeface="Microsoft Himalaya"/>
+        <a:font script="Thaa" typeface="MV Boli"/>
+        <a:font script="Deva" typeface="Mangal"/>
+        <a:font script="Telu" typeface="Gautami"/>
+        <a:font script="Taml" typeface="Latha"/>
+        <a:font script="Syrc" typeface="Estrangelo Edessa"/>
+        <a:font script="Orya" typeface="Kalinga"/>
+        <a:font script="Mlym" typeface="Kartika"/>
+        <a:font script="Laoo" typeface="DokChampa"/>
+        <a:font script="Sinh" typeface="Iskoola Pota"/>
+        <a:font script="Mong" typeface="Mongolian Baiti"/>
+        <a:font script="Viet" typeface="Times New Roman"/>
+        <a:font script="Uigh" typeface="Microsoft Uighur"/>
+        <a:font script="Geor" typeface="Sylfaen"/>
+      </a:majorFont>
+      <a:minorFont>
+        <a:latin typeface="Arial"/>
+        <a:ea typeface=""/>
+        <a:cs typeface=""/>
+        <a:font script="Jpan" typeface="ＭＳ Ｐゴシック"/>
+        <a:font script="Hang" typeface="맑은 고딕"/>
+        <a:font script="Hans" typeface="宋体"/>
+        <a:font script="Hant" typeface="新細明體"/>
+        <a:font script="Arab" typeface="Arial"/>
+        <a:font script="Hebr" typeface="Arial"/>
+        <a:font script="Thai" typeface="Cordia New"/>
+        <a:font script="Ethi" typeface="Nyala"/>
+        <a:font script="Beng" typeface="Vrinda"/>
+        <a:font script="Gujr" typeface="Shruti"/>
+        <a:font script="Khmr" typeface="DaunPenh"/>
+        <a:font script="Knda" typeface="Tunga"/>
+        <a:font script="Guru" typeface="Raavi"/>
+        <a:font script="Cans" typeface="Euphemia"/>
+        <a:font script="Cher" typeface="Plantagenet Cherokee"/>
+        <a:font script="Yiii" typeface="Microsoft Yi Baiti"/>
+        <a:font script="Tibt" typeface="Microsoft Himalaya"/>
+        <a:font script="Thaa" typeface="MV Boli"/>
+        <a:font script="Deva" typeface="Mangal"/>
+        <a:font script="Telu" typeface="Gautami"/>
+        <a:font script="Taml" typeface="Latha"/>
+        <a:font script="Syrc" typeface="Estrangelo Edessa"/>
+        <a:font script="Orya" typeface="Kalinga"/>
+        <a:font script="Mlym" typeface="Kartika"/>
+        <a:font script="Laoo" typeface="DokChampa"/>
+        <a:font script="Sinh" typeface="Iskoola Pota"/>
+        <a:font script="Mong" typeface="Mongolian Baiti"/>
+        <a:font script="Viet" typeface="Arial"/>
+        <a:font script="Uigh" typeface="Microsoft Uighur"/>
+        <a:font script="Geor" typeface="Sylfaen"/>
+      </a:minorFont>
+    </a:fontScheme>
+    <a:fmtScheme name="Office">
+      <a:fillStyleLst>
+        <a:solidFill>
+          <a:schemeClr val="phClr"/>
+        </a:solidFill>
+        <a:gradFill rotWithShape="1">
+          <a:gsLst>
+            <a:gs pos="0">
+              <a:schemeClr val="phClr">
+                <a:tint val="50000"/>
+                <a:satMod val="300000"/>
+              </a:schemeClr>
+            </a:gs>
+            <a:gs pos="35000">
+              <a:schemeClr val="phClr">
+                <a:tint val="37000"/>
+                <a:satMod val="300000"/>
+              </a:schemeClr>
+            </a:gs>
+            <a:gs pos="100000">
+              <a:schemeClr val="phClr">
+                <a:tint val="15000"/>
+                <a:satMod val="350000"/>
+              </a:schemeClr>
+            </a:gs>
+          </a:gsLst>
+          <a:lin ang="16200000" scaled="1"/>
+        </a:gradFill>
+        <a:gradFill rotWithShape="1">
+          <a:gsLst>
+            <a:gs pos="0">
+              <a:schemeClr val="phClr">
+                <a:tint val="100000"/>
+                <a:shade val="100000"/>
+                <a:satMod val="130000"/>
+              </a:schemeClr>
+            </a:gs>
+            <a:gs pos="100000">
+              <a:schemeClr val="phClr">
+                <a:tint val="50000"/>
+                <a:shade val="100000"/>
+                <a:satMod val="350000"/>
+              </a:schemeClr>
+            </a:gs>
+          </a:gsLst>
+          <a:lin ang="16200000" scaled="0"/>
+        </a:gradFill>
+      </a:fillStyleLst>
+      <a:lnStyleLst>
+        <a:ln w="9525" cap="flat" cmpd="sng" algn="ctr">
+          <a:solidFill>
+            <a:schemeClr val="phClr">
+              <a:shade val="95000"/>
+              <a:satMod val="105000"/>
+            </a:schemeClr>
+          </a:solidFill>
+          <a:prstDash val="solid"/>
+        </a:ln>
+        <a:ln w="25400" cap="flat" cmpd="sng" algn="ctr">
+          <a:solidFill>
+            <a:schemeClr val="phClr"/>
+          </a:solidFill>
+          <a:prstDash val="solid"/>
+        </a:ln>
+        <a:ln w="38100" cap="flat" cmpd="sng" algn="ctr">
+          <a:solidFill>
+            <a:schemeClr val="phClr"/>
+          </a:solidFill>
+          <a:prstDash val="solid"/>
+        </a:ln>
+      </a:lnStyleLst>
+      <a:effectStyleLst>
+        <a:effectStyle>
+          <a:effectLst>
+            <a:outerShdw blurRad="40000" dist="20000" dir="5400000" rotWithShape="0">
+              <a:srgbClr val="000000">
+                <a:alpha val="38000"/>
+              </a:srgbClr>
+            </a:outerShdw>
+          </a:effectLst>
+        </a:effectStyle>
+        <a:effectStyle>
+          <a:effectLst>
+            <a:outerShdw blurRad="40000" dist="23000" dir="5400000" rotWithShape="0">
+              <a:srgbClr val="000000">
+                <a:alpha val="35000"/>
+              </a:srgbClr>
+            </a:outerShdw>
+          </a:effectLst>
+        </a:effectStyle>
+        <a:effectStyle>
+          <a:effectLst>
+            <a:outerShdw blurRad="40000" dist="23000" dir="5400000" rotWithShape="0">
+              <a:srgbClr val="000000">
+                <a:alpha val="35000"/>
+              </a:srgbClr>
+            </a:outerShdw>
+          </a:effectLst>
+          <a:scene3d>
+            <a:camera prst="orthographicFront">
+              <a:rot lat="0" lon="0" rev="0"/>
+            </a:camera>
+            <a:lightRig rig="threePt" dir="t">
+              <a:rot lat="0" lon="0" rev="1200000"/>
+            </a:lightRig>
+          </a:scene3d>
+          <a:sp3d>
+            <a:bevelT w="63500" h="25400"/>
+          </a:sp3d>
+        </a:effectStyle>
+      </a:effectStyleLst>
+      <a:bgFillStyleLst>
+        <a:solidFill>
+          <a:schemeClr val="phClr"/>
+        </a:solidFill>
+        <a:gradFill rotWithShape="1">
+          <a:gsLst>
+            <a:gs pos="0">
+              <a:schemeClr val="phClr">
+                <a:tint val="40000"/>
+                <a:satMod val="350000"/>
+              </a:schemeClr>
+            </a:gs>
+            <a:gs pos="40000">
+              <a:schemeClr val="phClr">
+                <a:tint val="45000"/>
+                <a:shade val="99000"/>
+                <a:satMod val="350000"/>
+              </a:schemeClr>
+            </a:gs>
+            <a:gs pos="100000">
+              <a:schemeClr val="phClr">
+                <a:shade val="20000"/>
+                <a:satMod val="255000"/>
+              </a:schemeClr>
+            </a:gs>
+          </a:gsLst>
+          <a:path path="circle">
+            <a:fillToRect l="50000" t="-80000" r="50000" b="180000"/>
+          </a:path>
+        </a:gradFill>
+        <a:gradFill rotWithShape="1">
+          <a:gsLst>
+            <a:gs pos="0">
+              <a:schemeClr val="phClr">
+                <a:tint val="80000"/>
+                <a:satMod val="300000"/>
+              </a:schemeClr>
+            </a:gs>
+            <a:gs pos="100000">
+              <a:schemeClr val="phClr">
+                <a:shade val="30000"/>
+                <a:satMod val="200000"/>
+              </a:schemeClr>
+            </a:gs>
+          </a:gsLst>
+          <a:path path="circle">
+            <a:fillToRect l="50000" t="50000" r="50000" b="50000"/>
+          </a:path>
+        </a:gradFill>
+      </a:bgFillStyleLst>
+    </a:fmtScheme>
+  </a:themeElements>
+</a:theme>
+</file>
+
+<file path=ppt/theme/theme2.xml><?xml version="1.0" encoding="utf-8"?>
 <a:theme xmlns:a="http://schemas.openxmlformats.org/drawingml/2006/main" xmlns:r="http://schemas.openxmlformats.org/officeDocument/2006/relationships">
   <a:themeElements>
     <a:clrScheme name="Default">
@@ -11369,283 +12090,4 @@
     </a:fmtScheme>
   </a:themeElements>
 </a:theme>
-</file>
-
-<file path=ppt/theme/theme2.xml><?xml version="1.0" encoding="utf-8"?>
-<a:theme xmlns:a="http://schemas.openxmlformats.org/drawingml/2006/main" xmlns:r="http://schemas.openxmlformats.org/officeDocument/2006/relationships" name="Material">
-  <a:themeElements>
-    <a:clrScheme name="Material">
-      <a:dk1>
-        <a:srgbClr val="4285F4"/>
-      </a:dk1>
-      <a:lt1>
-        <a:srgbClr val="FFFFFF"/>
-      </a:lt1>
-      <a:dk2>
-        <a:srgbClr val="424242"/>
-      </a:dk2>
-      <a:lt2>
-        <a:srgbClr val="737373"/>
-      </a:lt2>
-      <a:accent1>
-        <a:srgbClr val="0277BD"/>
-      </a:accent1>
-      <a:accent2>
-        <a:srgbClr val="0F9D58"/>
-      </a:accent2>
-      <a:accent3>
-        <a:srgbClr val="DB4437"/>
-      </a:accent3>
-      <a:accent4>
-        <a:srgbClr val="FAFAFA"/>
-      </a:accent4>
-      <a:accent5>
-        <a:srgbClr val="4FC3F7"/>
-      </a:accent5>
-      <a:accent6>
-        <a:srgbClr val="F4B400"/>
-      </a:accent6>
-      <a:hlink>
-        <a:srgbClr val="4FC3F7"/>
-      </a:hlink>
-      <a:folHlink>
-        <a:srgbClr val="4FC3F7"/>
-      </a:folHlink>
-    </a:clrScheme>
-    <a:fontScheme name="Office">
-      <a:majorFont>
-        <a:latin typeface="Arial"/>
-        <a:ea typeface=""/>
-        <a:cs typeface=""/>
-        <a:font script="Jpan" typeface="ＭＳ Ｐゴシック"/>
-        <a:font script="Hang" typeface="맑은 고딕"/>
-        <a:font script="Hans" typeface="宋体"/>
-        <a:font script="Hant" typeface="新細明體"/>
-        <a:font script="Arab" typeface="Times New Roman"/>
-        <a:font script="Hebr" typeface="Times New Roman"/>
-        <a:font script="Thai" typeface="Angsana New"/>
-        <a:font script="Ethi" typeface="Nyala"/>
-        <a:font script="Beng" typeface="Vrinda"/>
-        <a:font script="Gujr" typeface="Shruti"/>
-        <a:font script="Khmr" typeface="MoolBoran"/>
-        <a:font script="Knda" typeface="Tunga"/>
-        <a:font script="Guru" typeface="Raavi"/>
-        <a:font script="Cans" typeface="Euphemia"/>
-        <a:font script="Cher" typeface="Plantagenet Cherokee"/>
-        <a:font script="Yiii" typeface="Microsoft Yi Baiti"/>
-        <a:font script="Tibt" typeface="Microsoft Himalaya"/>
-        <a:font script="Thaa" typeface="MV Boli"/>
-        <a:font script="Deva" typeface="Mangal"/>
-        <a:font script="Telu" typeface="Gautami"/>
-        <a:font script="Taml" typeface="Latha"/>
-        <a:font script="Syrc" typeface="Estrangelo Edessa"/>
-        <a:font script="Orya" typeface="Kalinga"/>
-        <a:font script="Mlym" typeface="Kartika"/>
-        <a:font script="Laoo" typeface="DokChampa"/>
-        <a:font script="Sinh" typeface="Iskoola Pota"/>
-        <a:font script="Mong" typeface="Mongolian Baiti"/>
-        <a:font script="Viet" typeface="Times New Roman"/>
-        <a:font script="Uigh" typeface="Microsoft Uighur"/>
-        <a:font script="Geor" typeface="Sylfaen"/>
-      </a:majorFont>
-      <a:minorFont>
-        <a:latin typeface="Arial"/>
-        <a:ea typeface=""/>
-        <a:cs typeface=""/>
-        <a:font script="Jpan" typeface="ＭＳ Ｐゴシック"/>
-        <a:font script="Hang" typeface="맑은 고딕"/>
-        <a:font script="Hans" typeface="宋体"/>
-        <a:font script="Hant" typeface="新細明體"/>
-        <a:font script="Arab" typeface="Arial"/>
-        <a:font script="Hebr" typeface="Arial"/>
-        <a:font script="Thai" typeface="Cordia New"/>
-        <a:font script="Ethi" typeface="Nyala"/>
-        <a:font script="Beng" typeface="Vrinda"/>
-        <a:font script="Gujr" typeface="Shruti"/>
-        <a:font script="Khmr" typeface="DaunPenh"/>
-        <a:font script="Knda" typeface="Tunga"/>
-        <a:font script="Guru" typeface="Raavi"/>
-        <a:font script="Cans" typeface="Euphemia"/>
-        <a:font script="Cher" typeface="Plantagenet Cherokee"/>
-        <a:font script="Yiii" typeface="Microsoft Yi Baiti"/>
-        <a:font script="Tibt" typeface="Microsoft Himalaya"/>
-        <a:font script="Thaa" typeface="MV Boli"/>
-        <a:font script="Deva" typeface="Mangal"/>
-        <a:font script="Telu" typeface="Gautami"/>
-        <a:font script="Taml" typeface="Latha"/>
-        <a:font script="Syrc" typeface="Estrangelo Edessa"/>
-        <a:font script="Orya" typeface="Kalinga"/>
-        <a:font script="Mlym" typeface="Kartika"/>
-        <a:font script="Laoo" typeface="DokChampa"/>
-        <a:font script="Sinh" typeface="Iskoola Pota"/>
-        <a:font script="Mong" typeface="Mongolian Baiti"/>
-        <a:font script="Viet" typeface="Arial"/>
-        <a:font script="Uigh" typeface="Microsoft Uighur"/>
-        <a:font script="Geor" typeface="Sylfaen"/>
-      </a:minorFont>
-    </a:fontScheme>
-    <a:fmtScheme name="Office">
-      <a:fillStyleLst>
-        <a:solidFill>
-          <a:schemeClr val="phClr"/>
-        </a:solidFill>
-        <a:gradFill rotWithShape="1">
-          <a:gsLst>
-            <a:gs pos="0">
-              <a:schemeClr val="phClr">
-                <a:tint val="50000"/>
-                <a:satMod val="300000"/>
-              </a:schemeClr>
-            </a:gs>
-            <a:gs pos="35000">
-              <a:schemeClr val="phClr">
-                <a:tint val="37000"/>
-                <a:satMod val="300000"/>
-              </a:schemeClr>
-            </a:gs>
-            <a:gs pos="100000">
-              <a:schemeClr val="phClr">
-                <a:tint val="15000"/>
-                <a:satMod val="350000"/>
-              </a:schemeClr>
-            </a:gs>
-          </a:gsLst>
-          <a:lin ang="16200000" scaled="1"/>
-        </a:gradFill>
-        <a:gradFill rotWithShape="1">
-          <a:gsLst>
-            <a:gs pos="0">
-              <a:schemeClr val="phClr">
-                <a:tint val="100000"/>
-                <a:shade val="100000"/>
-                <a:satMod val="130000"/>
-              </a:schemeClr>
-            </a:gs>
-            <a:gs pos="100000">
-              <a:schemeClr val="phClr">
-                <a:tint val="50000"/>
-                <a:shade val="100000"/>
-                <a:satMod val="350000"/>
-              </a:schemeClr>
-            </a:gs>
-          </a:gsLst>
-          <a:lin ang="16200000" scaled="0"/>
-        </a:gradFill>
-      </a:fillStyleLst>
-      <a:lnStyleLst>
-        <a:ln w="9525" cap="flat" cmpd="sng" algn="ctr">
-          <a:solidFill>
-            <a:schemeClr val="phClr">
-              <a:shade val="95000"/>
-              <a:satMod val="105000"/>
-            </a:schemeClr>
-          </a:solidFill>
-          <a:prstDash val="solid"/>
-        </a:ln>
-        <a:ln w="25400" cap="flat" cmpd="sng" algn="ctr">
-          <a:solidFill>
-            <a:schemeClr val="phClr"/>
-          </a:solidFill>
-          <a:prstDash val="solid"/>
-        </a:ln>
-        <a:ln w="38100" cap="flat" cmpd="sng" algn="ctr">
-          <a:solidFill>
-            <a:schemeClr val="phClr"/>
-          </a:solidFill>
-          <a:prstDash val="solid"/>
-        </a:ln>
-      </a:lnStyleLst>
-      <a:effectStyleLst>
-        <a:effectStyle>
-          <a:effectLst>
-            <a:outerShdw blurRad="40000" dist="20000" dir="5400000" rotWithShape="0">
-              <a:srgbClr val="000000">
-                <a:alpha val="38000"/>
-              </a:srgbClr>
-            </a:outerShdw>
-          </a:effectLst>
-        </a:effectStyle>
-        <a:effectStyle>
-          <a:effectLst>
-            <a:outerShdw blurRad="40000" dist="23000" dir="5400000" rotWithShape="0">
-              <a:srgbClr val="000000">
-                <a:alpha val="35000"/>
-              </a:srgbClr>
-            </a:outerShdw>
-          </a:effectLst>
-        </a:effectStyle>
-        <a:effectStyle>
-          <a:effectLst>
-            <a:outerShdw blurRad="40000" dist="23000" dir="5400000" rotWithShape="0">
-              <a:srgbClr val="000000">
-                <a:alpha val="35000"/>
-              </a:srgbClr>
-            </a:outerShdw>
-          </a:effectLst>
-          <a:scene3d>
-            <a:camera prst="orthographicFront">
-              <a:rot lat="0" lon="0" rev="0"/>
-            </a:camera>
-            <a:lightRig rig="threePt" dir="t">
-              <a:rot lat="0" lon="0" rev="1200000"/>
-            </a:lightRig>
-          </a:scene3d>
-          <a:sp3d>
-            <a:bevelT w="63500" h="25400"/>
-          </a:sp3d>
-        </a:effectStyle>
-      </a:effectStyleLst>
-      <a:bgFillStyleLst>
-        <a:solidFill>
-          <a:schemeClr val="phClr"/>
-        </a:solidFill>
-        <a:gradFill rotWithShape="1">
-          <a:gsLst>
-            <a:gs pos="0">
-              <a:schemeClr val="phClr">
-                <a:tint val="40000"/>
-                <a:satMod val="350000"/>
-              </a:schemeClr>
-            </a:gs>
-            <a:gs pos="40000">
-              <a:schemeClr val="phClr">
-                <a:tint val="45000"/>
-                <a:shade val="99000"/>
-                <a:satMod val="350000"/>
-              </a:schemeClr>
-            </a:gs>
-            <a:gs pos="100000">
-              <a:schemeClr val="phClr">
-                <a:shade val="20000"/>
-                <a:satMod val="255000"/>
-              </a:schemeClr>
-            </a:gs>
-          </a:gsLst>
-          <a:path path="circle">
-            <a:fillToRect l="50000" t="-80000" r="50000" b="180000"/>
-          </a:path>
-        </a:gradFill>
-        <a:gradFill rotWithShape="1">
-          <a:gsLst>
-            <a:gs pos="0">
-              <a:schemeClr val="phClr">
-                <a:tint val="80000"/>
-                <a:satMod val="300000"/>
-              </a:schemeClr>
-            </a:gs>
-            <a:gs pos="100000">
-              <a:schemeClr val="phClr">
-                <a:shade val="30000"/>
-                <a:satMod val="200000"/>
-              </a:schemeClr>
-            </a:gs>
-          </a:gsLst>
-          <a:path path="circle">
-            <a:fillToRect l="50000" t="50000" r="50000" b="50000"/>
-          </a:path>
-        </a:gradFill>
-      </a:bgFillStyleLst>
-    </a:fmtScheme>
-  </a:themeElements>
-</a:theme>
 </file>
--- a/docs/1091_datascience_FP_group4.pptx
+++ b/docs/1091_datascience_FP_group4.pptx
@@ -1230,7 +1230,7 @@
       </p:grpSpPr>
       <p:sp>
         <p:nvSpPr>
-          <p:cNvPr id="149" name="Google Shape;149;gaa1b56230e_2_23:notes"/>
+          <p:cNvPr id="149" name="Google Shape;149;gabde1fa0f4_8_0:notes"/>
           <p:cNvSpPr/>
           <p:nvPr>
             <p:ph idx="2" type="sldImg"/>
@@ -1265,7 +1265,7 @@
       </p:sp>
       <p:sp>
         <p:nvSpPr>
-          <p:cNvPr id="150" name="Google Shape;150;gaa1b56230e_2_23:notes"/>
+          <p:cNvPr id="150" name="Google Shape;150;gabde1fa0f4_8_0:notes"/>
           <p:cNvSpPr txBox="1"/>
           <p:nvPr>
             <p:ph idx="1" type="body"/>
@@ -1315,7 +1315,7 @@
   <p:cSld>
     <p:spTree>
       <p:nvGrpSpPr>
-        <p:cNvPr id="154" name="Shape 154"/>
+        <p:cNvPr id="160" name="Shape 160"/>
         <p:cNvGrpSpPr/>
         <p:nvPr/>
       </p:nvGrpSpPr>
@@ -1329,7 +1329,7 @@
       </p:grpSpPr>
       <p:sp>
         <p:nvSpPr>
-          <p:cNvPr id="155" name="Google Shape;155;gaa1b56230e_2_28:notes"/>
+          <p:cNvPr id="161" name="Google Shape;161;gaa1b56230e_2_28:notes"/>
           <p:cNvSpPr/>
           <p:nvPr>
             <p:ph idx="2" type="sldImg"/>
@@ -1364,7 +1364,7 @@
       </p:sp>
       <p:sp>
         <p:nvSpPr>
-          <p:cNvPr id="156" name="Google Shape;156;gaa1b56230e_2_28:notes"/>
+          <p:cNvPr id="162" name="Google Shape;162;gaa1b56230e_2_28:notes"/>
           <p:cNvSpPr txBox="1"/>
           <p:nvPr>
             <p:ph idx="1" type="body"/>
@@ -8836,105 +8836,14 @@
           </a:bodyPr>
           <a:lstStyle/>
           <a:p>
-            <a:pPr indent="-304800" lvl="0" marL="457200" rtl="0" algn="l">
-              <a:spcBef>
-                <a:spcPts val="0"/>
-              </a:spcBef>
-              <a:spcAft>
-                <a:spcPts val="0"/>
-              </a:spcAft>
-              <a:buClr>
-                <a:srgbClr val="24292E"/>
-              </a:buClr>
-              <a:buSzPts val="1200"/>
-              <a:buFont typeface="Arial"/>
-              <a:buChar char="❖"/>
-            </a:pPr>
-            <a:r>
-              <a:rPr lang="zh-TW" sz="1200">
-                <a:solidFill>
-                  <a:srgbClr val="24292E"/>
-                </a:solidFill>
-                <a:highlight>
-                  <a:srgbClr val="FFFFFF"/>
-                </a:highlight>
-                <a:latin typeface="Arial"/>
-                <a:ea typeface="Arial"/>
-                <a:cs typeface="Arial"/>
-                <a:sym typeface="Arial"/>
-              </a:rPr>
-              <a:t>XGBOOST performance is both better than null model</a:t>
-            </a:r>
-            <a:endParaRPr sz="1200">
-              <a:solidFill>
-                <a:srgbClr val="24292E"/>
-              </a:solidFill>
-              <a:highlight>
-                <a:srgbClr val="FFFFFF"/>
-              </a:highlight>
-              <a:latin typeface="Arial"/>
-              <a:ea typeface="Arial"/>
-              <a:cs typeface="Arial"/>
-              <a:sym typeface="Arial"/>
-            </a:endParaRPr>
-          </a:p>
-          <a:p>
-            <a:pPr indent="-304800" lvl="0" marL="457200" rtl="0" algn="l">
-              <a:spcBef>
-                <a:spcPts val="0"/>
-              </a:spcBef>
-              <a:spcAft>
-                <a:spcPts val="0"/>
-              </a:spcAft>
-              <a:buClr>
-                <a:srgbClr val="24292E"/>
-              </a:buClr>
-              <a:buSzPts val="1200"/>
-              <a:buFont typeface="Arial"/>
-              <a:buChar char="❖"/>
-            </a:pPr>
-            <a:r>
-              <a:rPr lang="zh-TW" sz="1200">
-                <a:solidFill>
-                  <a:srgbClr val="24292E"/>
-                </a:solidFill>
-                <a:highlight>
-                  <a:srgbClr val="FFFFFF"/>
-                </a:highlight>
-                <a:latin typeface="Arial"/>
-                <a:ea typeface="Arial"/>
-                <a:cs typeface="Arial"/>
-                <a:sym typeface="Arial"/>
-              </a:rPr>
-              <a:t>Random forest and CART only better at accuracy</a:t>
-            </a:r>
-            <a:endParaRPr sz="1200">
-              <a:solidFill>
-                <a:srgbClr val="24292E"/>
-              </a:solidFill>
-              <a:highlight>
-                <a:srgbClr val="FFFFFF"/>
-              </a:highlight>
-              <a:latin typeface="Arial"/>
-              <a:ea typeface="Arial"/>
-              <a:cs typeface="Arial"/>
-              <a:sym typeface="Arial"/>
-            </a:endParaRPr>
-          </a:p>
-          <a:p>
-            <a:pPr indent="-304800" lvl="0" marL="457200" rtl="0" algn="l">
-              <a:spcBef>
-                <a:spcPts val="0"/>
-              </a:spcBef>
-              <a:spcAft>
-                <a:spcPts val="0"/>
-              </a:spcAft>
-              <a:buClr>
-                <a:srgbClr val="24292E"/>
-              </a:buClr>
-              <a:buSzPts val="1200"/>
-              <a:buFont typeface="Arial"/>
-              <a:buChar char="❖"/>
+            <a:pPr indent="0" lvl="0" marL="457200" rtl="0" algn="l">
+              <a:spcBef>
+                <a:spcPts val="0"/>
+              </a:spcBef>
+              <a:spcAft>
+                <a:spcPts val="0"/>
+              </a:spcAft>
+              <a:buNone/>
             </a:pPr>
             <a:r>
               <a:t/>
@@ -8985,8 +8894,8 @@
         </p:blipFill>
         <p:spPr>
           <a:xfrm>
-            <a:off x="2559275" y="2519775"/>
-            <a:ext cx="5016274" cy="2486700"/>
+            <a:off x="1708900" y="2151325"/>
+            <a:ext cx="5770175" cy="2860425"/>
           </a:xfrm>
           <a:prstGeom prst="rect">
             <a:avLst/>
@@ -9022,9 +8931,37 @@
           <a:chExt cx="0" cy="0"/>
         </a:xfrm>
       </p:grpSpPr>
+      <p:pic>
+        <p:nvPicPr>
+          <p:cNvPr id="152" name="Google Shape;152;p26"/>
+          <p:cNvPicPr preferRelativeResize="0"/>
+          <p:nvPr/>
+        </p:nvPicPr>
+        <p:blipFill>
+          <a:blip r:embed="rId3">
+            <a:alphaModFix/>
+          </a:blip>
+          <a:stretch>
+            <a:fillRect/>
+          </a:stretch>
+        </p:blipFill>
+        <p:spPr>
+          <a:xfrm>
+            <a:off x="342225" y="2891000"/>
+            <a:ext cx="4329150" cy="2146075"/>
+          </a:xfrm>
+          <a:prstGeom prst="rect">
+            <a:avLst/>
+          </a:prstGeom>
+          <a:noFill/>
+          <a:ln>
+            <a:noFill/>
+          </a:ln>
+        </p:spPr>
+      </p:pic>
       <p:sp>
         <p:nvSpPr>
-          <p:cNvPr id="152" name="Google Shape;152;p26"/>
+          <p:cNvPr id="153" name="Google Shape;153;p26"/>
           <p:cNvSpPr txBox="1"/>
           <p:nvPr>
             <p:ph type="title"/>
@@ -9056,7 +8993,7 @@
             </a:pPr>
             <a:r>
               <a:rPr lang="zh-TW"/>
-              <a:t>Challenge</a:t>
+              <a:t>Performance</a:t>
             </a:r>
             <a:endParaRPr/>
           </a:p>
@@ -9064,7 +9001,7 @@
       </p:sp>
       <p:sp>
         <p:nvSpPr>
-          <p:cNvPr id="153" name="Google Shape;153;p26"/>
+          <p:cNvPr id="154" name="Google Shape;154;p26"/>
           <p:cNvSpPr txBox="1"/>
           <p:nvPr>
             <p:ph idx="1" type="body"/>
@@ -9085,53 +9022,274 @@
           </a:bodyPr>
           <a:lstStyle/>
           <a:p>
-            <a:pPr indent="-342900" lvl="0" marL="457200" rtl="0" algn="l">
-              <a:spcBef>
-                <a:spcPts val="0"/>
-              </a:spcBef>
-              <a:spcAft>
-                <a:spcPts val="0"/>
-              </a:spcAft>
-              <a:buSzPts val="1800"/>
-              <a:buAutoNum type="arabicPeriod"/>
-            </a:pPr>
-            <a:r>
-              <a:rPr lang="zh-TW"/>
-              <a:t>需要嘗試多種方法以達到最佳預測結果</a:t>
+            <a:pPr indent="-304800" lvl="0" marL="457200" rtl="0" algn="l">
+              <a:spcBef>
+                <a:spcPts val="0"/>
+              </a:spcBef>
+              <a:spcAft>
+                <a:spcPts val="0"/>
+              </a:spcAft>
+              <a:buClr>
+                <a:srgbClr val="24292E"/>
+              </a:buClr>
+              <a:buSzPts val="1200"/>
+              <a:buFont typeface="Arial"/>
+              <a:buChar char="❖"/>
+            </a:pPr>
+            <a:r>
+              <a:rPr lang="zh-TW" sz="1200">
+                <a:solidFill>
+                  <a:srgbClr val="24292E"/>
+                </a:solidFill>
+                <a:highlight>
+                  <a:schemeClr val="lt1"/>
+                </a:highlight>
+                <a:latin typeface="Arial"/>
+                <a:ea typeface="Arial"/>
+                <a:cs typeface="Arial"/>
+                <a:sym typeface="Arial"/>
+              </a:rPr>
+              <a:t>XGBOOST performance is both better than null model</a:t>
+            </a:r>
+            <a:endParaRPr sz="1200">
+              <a:solidFill>
+                <a:srgbClr val="24292E"/>
+              </a:solidFill>
+              <a:highlight>
+                <a:schemeClr val="lt1"/>
+              </a:highlight>
+              <a:latin typeface="Arial"/>
+              <a:ea typeface="Arial"/>
+              <a:cs typeface="Arial"/>
+              <a:sym typeface="Arial"/>
+            </a:endParaRPr>
+          </a:p>
+          <a:p>
+            <a:pPr indent="-304800" lvl="0" marL="457200" rtl="0" algn="l">
+              <a:spcBef>
+                <a:spcPts val="0"/>
+              </a:spcBef>
+              <a:spcAft>
+                <a:spcPts val="0"/>
+              </a:spcAft>
+              <a:buClr>
+                <a:srgbClr val="24292E"/>
+              </a:buClr>
+              <a:buSzPts val="1200"/>
+              <a:buFont typeface="Arial"/>
+              <a:buChar char="❖"/>
+            </a:pPr>
+            <a:r>
+              <a:rPr lang="zh-TW" sz="1200">
+                <a:solidFill>
+                  <a:srgbClr val="24292E"/>
+                </a:solidFill>
+                <a:highlight>
+                  <a:schemeClr val="lt1"/>
+                </a:highlight>
+                <a:latin typeface="Arial"/>
+                <a:ea typeface="Arial"/>
+                <a:cs typeface="Arial"/>
+                <a:sym typeface="Arial"/>
+              </a:rPr>
+              <a:t>Random forest and CART only better at accuracy</a:t>
             </a:r>
             <a:endParaRPr/>
           </a:p>
-          <a:p>
-            <a:pPr indent="-342900" lvl="0" marL="457200" rtl="0" algn="l">
-              <a:spcBef>
-                <a:spcPts val="0"/>
-              </a:spcBef>
-              <a:spcAft>
-                <a:spcPts val="0"/>
-              </a:spcAft>
-              <a:buSzPts val="1800"/>
-              <a:buAutoNum type="arabicPeriod"/>
-            </a:pPr>
-            <a:r>
-              <a:rPr lang="zh-TW"/>
-              <a:t>特徵分析時繁瑣但有其重要性</a:t>
+        </p:txBody>
+      </p:sp>
+      <p:pic>
+        <p:nvPicPr>
+          <p:cNvPr id="155" name="Google Shape;155;p26"/>
+          <p:cNvPicPr preferRelativeResize="0"/>
+          <p:nvPr/>
+        </p:nvPicPr>
+        <p:blipFill>
+          <a:blip r:embed="rId4">
+            <a:alphaModFix/>
+          </a:blip>
+          <a:stretch>
+            <a:fillRect/>
+          </a:stretch>
+        </p:blipFill>
+        <p:spPr>
+          <a:xfrm>
+            <a:off x="5195863" y="1076950"/>
+            <a:ext cx="3977425" cy="2084000"/>
+          </a:xfrm>
+          <a:prstGeom prst="rect">
+            <a:avLst/>
+          </a:prstGeom>
+          <a:noFill/>
+          <a:ln>
+            <a:noFill/>
+          </a:ln>
+        </p:spPr>
+      </p:pic>
+      <p:pic>
+        <p:nvPicPr>
+          <p:cNvPr id="156" name="Google Shape;156;p26"/>
+          <p:cNvPicPr preferRelativeResize="0"/>
+          <p:nvPr/>
+        </p:nvPicPr>
+        <p:blipFill>
+          <a:blip r:embed="rId5">
+            <a:alphaModFix/>
+          </a:blip>
+          <a:stretch>
+            <a:fillRect/>
+          </a:stretch>
+        </p:blipFill>
+        <p:spPr>
+          <a:xfrm>
+            <a:off x="5225150" y="3160955"/>
+            <a:ext cx="3918850" cy="1982545"/>
+          </a:xfrm>
+          <a:prstGeom prst="rect">
+            <a:avLst/>
+          </a:prstGeom>
+          <a:noFill/>
+          <a:ln>
+            <a:noFill/>
+          </a:ln>
+        </p:spPr>
+      </p:pic>
+      <p:sp>
+        <p:nvSpPr>
+          <p:cNvPr id="157" name="Google Shape;157;p26"/>
+          <p:cNvSpPr/>
+          <p:nvPr/>
+        </p:nvSpPr>
+        <p:spPr>
+          <a:xfrm>
+            <a:off x="7759600" y="2687025"/>
+            <a:ext cx="1285800" cy="266100"/>
+          </a:xfrm>
+          <a:prstGeom prst="ellipse">
+            <a:avLst/>
+          </a:prstGeom>
+          <a:noFill/>
+          <a:ln cap="flat" cmpd="sng" w="9525">
+            <a:solidFill>
+              <a:srgbClr val="FF0000"/>
+            </a:solidFill>
+            <a:prstDash val="solid"/>
+            <a:round/>
+            <a:headEnd len="sm" w="sm" type="none"/>
+            <a:tailEnd len="sm" w="sm" type="none"/>
+          </a:ln>
+        </p:spPr>
+        <p:txBody>
+          <a:bodyPr anchorCtr="0" anchor="ctr" bIns="91425" lIns="91425" spcFirstLastPara="1" rIns="91425" wrap="square" tIns="91425">
+            <a:noAutofit/>
+          </a:bodyPr>
+          <a:lstStyle/>
+          <a:p>
+            <a:pPr indent="0" lvl="0" marL="0" rtl="0" algn="l">
+              <a:spcBef>
+                <a:spcPts val="0"/>
+              </a:spcBef>
+              <a:spcAft>
+                <a:spcPts val="0"/>
+              </a:spcAft>
+              <a:buNone/>
+            </a:pPr>
+            <a:r>
+              <a:t/>
             </a:r>
             <a:endParaRPr/>
           </a:p>
-          <a:p>
-            <a:pPr indent="-342900" lvl="0" marL="457200" rtl="0" algn="l">
-              <a:spcBef>
-                <a:spcPts val="0"/>
-              </a:spcBef>
-              <a:spcAft>
-                <a:spcPts val="0"/>
-              </a:spcAft>
-              <a:buSzPts val="1800"/>
-              <a:buAutoNum type="arabicPeriod"/>
-            </a:pPr>
-            <a:r>
-              <a:rPr lang="zh-TW"/>
-              <a:t>此專案使用Ｒ語言撰寫是極大挑戰</a:t>
+        </p:txBody>
+      </p:sp>
+      <p:sp>
+        <p:nvSpPr>
+          <p:cNvPr id="158" name="Google Shape;158;p26"/>
+          <p:cNvSpPr/>
+          <p:nvPr/>
+        </p:nvSpPr>
+        <p:spPr>
+          <a:xfrm>
+            <a:off x="7822725" y="4770975"/>
+            <a:ext cx="1285800" cy="266100"/>
+          </a:xfrm>
+          <a:prstGeom prst="ellipse">
+            <a:avLst/>
+          </a:prstGeom>
+          <a:noFill/>
+          <a:ln cap="flat" cmpd="sng" w="9525">
+            <a:solidFill>
+              <a:srgbClr val="FF0000"/>
+            </a:solidFill>
+            <a:prstDash val="solid"/>
+            <a:round/>
+            <a:headEnd len="sm" w="sm" type="none"/>
+            <a:tailEnd len="sm" w="sm" type="none"/>
+          </a:ln>
+        </p:spPr>
+        <p:txBody>
+          <a:bodyPr anchorCtr="0" anchor="ctr" bIns="91425" lIns="91425" spcFirstLastPara="1" rIns="91425" wrap="square" tIns="91425">
+            <a:noAutofit/>
+          </a:bodyPr>
+          <a:lstStyle/>
+          <a:p>
+            <a:pPr indent="0" lvl="0" marL="0" rtl="0" algn="l">
+              <a:spcBef>
+                <a:spcPts val="0"/>
+              </a:spcBef>
+              <a:spcAft>
+                <a:spcPts val="0"/>
+              </a:spcAft>
+              <a:buNone/>
+            </a:pPr>
+            <a:r>
+              <a:t/>
+            </a:r>
+            <a:endParaRPr/>
+          </a:p>
+        </p:txBody>
+      </p:sp>
+      <p:sp>
+        <p:nvSpPr>
+          <p:cNvPr id="159" name="Google Shape;159;p26"/>
+          <p:cNvSpPr/>
+          <p:nvPr/>
+        </p:nvSpPr>
+        <p:spPr>
+          <a:xfrm>
+            <a:off x="3286200" y="4676775"/>
+            <a:ext cx="1285800" cy="266100"/>
+          </a:xfrm>
+          <a:prstGeom prst="ellipse">
+            <a:avLst/>
+          </a:prstGeom>
+          <a:noFill/>
+          <a:ln cap="flat" cmpd="sng" w="9525">
+            <a:solidFill>
+              <a:srgbClr val="FF0000"/>
+            </a:solidFill>
+            <a:prstDash val="solid"/>
+            <a:round/>
+            <a:headEnd len="sm" w="sm" type="none"/>
+            <a:tailEnd len="sm" w="sm" type="none"/>
+          </a:ln>
+        </p:spPr>
+        <p:txBody>
+          <a:bodyPr anchorCtr="0" anchor="ctr" bIns="91425" lIns="91425" spcFirstLastPara="1" rIns="91425" wrap="square" tIns="91425">
+            <a:noAutofit/>
+          </a:bodyPr>
+          <a:lstStyle/>
+          <a:p>
+            <a:pPr indent="0" lvl="0" marL="0" rtl="0" algn="l">
+              <a:spcBef>
+                <a:spcPts val="0"/>
+              </a:spcBef>
+              <a:spcAft>
+                <a:spcPts val="0"/>
+              </a:spcAft>
+              <a:buNone/>
+            </a:pPr>
+            <a:r>
+              <a:t/>
             </a:r>
             <a:endParaRPr/>
           </a:p>
@@ -9150,7 +9308,7 @@
   <p:cSld>
     <p:spTree>
       <p:nvGrpSpPr>
-        <p:cNvPr id="157" name="Shape 157"/>
+        <p:cNvPr id="163" name="Shape 163"/>
         <p:cNvGrpSpPr/>
         <p:nvPr/>
       </p:nvGrpSpPr>
@@ -9164,7 +9322,7 @@
       </p:grpSpPr>
       <p:sp>
         <p:nvSpPr>
-          <p:cNvPr id="158" name="Google Shape;158;p27"/>
+          <p:cNvPr id="164" name="Google Shape;164;p27"/>
           <p:cNvSpPr txBox="1"/>
           <p:nvPr>
             <p:ph type="title"/>
@@ -9204,7 +9362,7 @@
       </p:sp>
       <p:sp>
         <p:nvSpPr>
-          <p:cNvPr id="159" name="Google Shape;159;p27"/>
+          <p:cNvPr id="165" name="Google Shape;165;p27"/>
           <p:cNvSpPr txBox="1"/>
           <p:nvPr>
             <p:ph idx="1" type="body"/>
@@ -9409,7 +9567,7 @@
             </a:pPr>
             <a:r>
               <a:rPr lang="zh-TW"/>
-              <a:t>本次我們希望透過不同以往的品質指標依據，透過化學因子檢測的數值透過上課所學的數據分析手法，預測紅酒品質。</a:t>
+              <a:t>本次我們希望透過不同以往的品質指標依據，透過化學因子檢測的數值並利用上課所學的數據分析手法，預測紅酒品質。</a:t>
             </a:r>
             <a:endParaRPr/>
           </a:p>
